--- a/slides/Effective NodeJS Debugging.pptx
+++ b/slides/Effective NodeJS Debugging.pptx
@@ -5,7 +5,7 @@
     <p:sldMasterId id="2147483648" r:id="rId1"/>
   </p:sldMasterIdLst>
   <p:notesMasterIdLst>
-    <p:notesMasterId r:id="rId13"/>
+    <p:notesMasterId r:id="rId19"/>
   </p:notesMasterIdLst>
   <p:sldIdLst>
     <p:sldId id="256" r:id="rId2"/>
@@ -18,7 +18,13 @@
     <p:sldId id="263" r:id="rId9"/>
     <p:sldId id="265" r:id="rId10"/>
     <p:sldId id="266" r:id="rId11"/>
-    <p:sldId id="264" r:id="rId12"/>
+    <p:sldId id="268" r:id="rId12"/>
+    <p:sldId id="269" r:id="rId13"/>
+    <p:sldId id="270" r:id="rId14"/>
+    <p:sldId id="271" r:id="rId15"/>
+    <p:sldId id="264" r:id="rId16"/>
+    <p:sldId id="267" r:id="rId17"/>
+    <p:sldId id="272" r:id="rId18"/>
   </p:sldIdLst>
   <p:sldSz cx="12192000" cy="6858000"/>
   <p:notesSz cx="6858000" cy="9144000"/>
@@ -623,6 +629,510 @@
 </p:notes>
 </file>
 
+<file path=ppt/notesSlides/notesSlide10.xml><?xml version="1.0" encoding="utf-8"?>
+<p:notes xmlns:a="http://schemas.openxmlformats.org/drawingml/2006/main" xmlns:r="http://schemas.openxmlformats.org/officeDocument/2006/relationships" xmlns:p="http://schemas.openxmlformats.org/presentationml/2006/main">
+  <p:cSld>
+    <p:spTree>
+      <p:nvGrpSpPr>
+        <p:cNvPr id="1" name=""/>
+        <p:cNvGrpSpPr/>
+        <p:nvPr/>
+      </p:nvGrpSpPr>
+      <p:grpSpPr>
+        <a:xfrm>
+          <a:off x="0" y="0"/>
+          <a:ext cx="0" cy="0"/>
+          <a:chOff x="0" y="0"/>
+          <a:chExt cx="0" cy="0"/>
+        </a:xfrm>
+      </p:grpSpPr>
+      <p:sp>
+        <p:nvSpPr>
+          <p:cNvPr id="2" name="Slide Image Placeholder 1"/>
+          <p:cNvSpPr>
+            <a:spLocks noGrp="1" noRot="1" noChangeAspect="1"/>
+          </p:cNvSpPr>
+          <p:nvPr>
+            <p:ph type="sldImg"/>
+          </p:nvPr>
+        </p:nvSpPr>
+        <p:spPr/>
+      </p:sp>
+      <p:sp>
+        <p:nvSpPr>
+          <p:cNvPr id="3" name="Notes Placeholder 2"/>
+          <p:cNvSpPr>
+            <a:spLocks noGrp="1"/>
+          </p:cNvSpPr>
+          <p:nvPr>
+            <p:ph type="body" idx="1"/>
+          </p:nvPr>
+        </p:nvSpPr>
+        <p:spPr/>
+        <p:txBody>
+          <a:bodyPr/>
+          <a:lstStyle/>
+          <a:p>
+            <a:r>
+              <a:rPr lang="en-GB" dirty="0" smtClean="0"/>
+              <a:t>I’ve</a:t>
+            </a:r>
+            <a:r>
+              <a:rPr lang="en-GB" baseline="0" dirty="0" smtClean="0"/>
+              <a:t> built a server, it’s a simple example for this presentation.</a:t>
+            </a:r>
+          </a:p>
+          <a:p>
+            <a:endParaRPr lang="en-GB" baseline="0" dirty="0" smtClean="0"/>
+          </a:p>
+          <a:p>
+            <a:r>
+              <a:rPr lang="en-GB" baseline="0" dirty="0" smtClean="0"/>
+              <a:t>The server will return details of a </a:t>
+            </a:r>
+            <a:r>
+              <a:rPr lang="en-GB" baseline="0" dirty="0" err="1" smtClean="0"/>
+              <a:t>simpson’s</a:t>
+            </a:r>
+            <a:r>
+              <a:rPr lang="en-GB" baseline="0" dirty="0" smtClean="0"/>
+              <a:t> character by their ID.</a:t>
+            </a:r>
+          </a:p>
+          <a:p>
+            <a:endParaRPr lang="en-GB" baseline="0" dirty="0" smtClean="0"/>
+          </a:p>
+          <a:p>
+            <a:r>
+              <a:rPr lang="en-GB" baseline="0" dirty="0" smtClean="0"/>
+              <a:t>It doesn’t work! That’s because I made up some syntax and didn’t bother looking up how everything works.</a:t>
+            </a:r>
+          </a:p>
+          <a:p>
+            <a:endParaRPr lang="en-GB" baseline="0" dirty="0" smtClean="0"/>
+          </a:p>
+          <a:p>
+            <a:r>
+              <a:rPr lang="en-GB" baseline="0" dirty="0" smtClean="0"/>
+              <a:t>We have three options to deal with this problem.</a:t>
+            </a:r>
+          </a:p>
+        </p:txBody>
+      </p:sp>
+      <p:sp>
+        <p:nvSpPr>
+          <p:cNvPr id="4" name="Slide Number Placeholder 3"/>
+          <p:cNvSpPr>
+            <a:spLocks noGrp="1"/>
+          </p:cNvSpPr>
+          <p:nvPr>
+            <p:ph type="sldNum" sz="quarter" idx="10"/>
+          </p:nvPr>
+        </p:nvSpPr>
+        <p:spPr/>
+        <p:txBody>
+          <a:bodyPr/>
+          <a:lstStyle/>
+          <a:p>
+            <a:fld id="{5C75FE4D-91ED-434A-9EFC-8782E77F05B1}" type="slidenum">
+              <a:rPr lang="en-GB" smtClean="0"/>
+              <a:t>13</a:t>
+            </a:fld>
+            <a:endParaRPr lang="en-GB"/>
+          </a:p>
+        </p:txBody>
+      </p:sp>
+    </p:spTree>
+    <p:extLst>
+      <p:ext uri="{BB962C8B-B14F-4D97-AF65-F5344CB8AC3E}">
+        <p14:creationId xmlns:p14="http://schemas.microsoft.com/office/powerpoint/2010/main" val="778157374"/>
+      </p:ext>
+    </p:extLst>
+  </p:cSld>
+  <p:clrMapOvr>
+    <a:masterClrMapping/>
+  </p:clrMapOvr>
+</p:notes>
+</file>
+
+<file path=ppt/notesSlides/notesSlide11.xml><?xml version="1.0" encoding="utf-8"?>
+<p:notes xmlns:a="http://schemas.openxmlformats.org/drawingml/2006/main" xmlns:r="http://schemas.openxmlformats.org/officeDocument/2006/relationships" xmlns:p="http://schemas.openxmlformats.org/presentationml/2006/main">
+  <p:cSld>
+    <p:spTree>
+      <p:nvGrpSpPr>
+        <p:cNvPr id="1" name=""/>
+        <p:cNvGrpSpPr/>
+        <p:nvPr/>
+      </p:nvGrpSpPr>
+      <p:grpSpPr>
+        <a:xfrm>
+          <a:off x="0" y="0"/>
+          <a:ext cx="0" cy="0"/>
+          <a:chOff x="0" y="0"/>
+          <a:chExt cx="0" cy="0"/>
+        </a:xfrm>
+      </p:grpSpPr>
+      <p:sp>
+        <p:nvSpPr>
+          <p:cNvPr id="2" name="Slide Image Placeholder 1"/>
+          <p:cNvSpPr>
+            <a:spLocks noGrp="1" noRot="1" noChangeAspect="1"/>
+          </p:cNvSpPr>
+          <p:nvPr>
+            <p:ph type="sldImg"/>
+          </p:nvPr>
+        </p:nvSpPr>
+        <p:spPr/>
+      </p:sp>
+      <p:sp>
+        <p:nvSpPr>
+          <p:cNvPr id="3" name="Notes Placeholder 2"/>
+          <p:cNvSpPr>
+            <a:spLocks noGrp="1"/>
+          </p:cNvSpPr>
+          <p:nvPr>
+            <p:ph type="body" idx="1"/>
+          </p:nvPr>
+        </p:nvSpPr>
+        <p:spPr/>
+        <p:txBody>
+          <a:bodyPr/>
+          <a:lstStyle/>
+          <a:p>
+            <a:r>
+              <a:rPr lang="en-GB" dirty="0" smtClean="0"/>
+              <a:t>I’ve</a:t>
+            </a:r>
+            <a:r>
+              <a:rPr lang="en-GB" baseline="0" dirty="0" smtClean="0"/>
+              <a:t> built a server, it’s a simple example for this presentation.</a:t>
+            </a:r>
+          </a:p>
+          <a:p>
+            <a:endParaRPr lang="en-GB" baseline="0" dirty="0" smtClean="0"/>
+          </a:p>
+          <a:p>
+            <a:r>
+              <a:rPr lang="en-GB" baseline="0" dirty="0" smtClean="0"/>
+              <a:t>The server will return details of a </a:t>
+            </a:r>
+            <a:r>
+              <a:rPr lang="en-GB" baseline="0" dirty="0" err="1" smtClean="0"/>
+              <a:t>simpson’s</a:t>
+            </a:r>
+            <a:r>
+              <a:rPr lang="en-GB" baseline="0" dirty="0" smtClean="0"/>
+              <a:t> character by their ID.</a:t>
+            </a:r>
+          </a:p>
+          <a:p>
+            <a:endParaRPr lang="en-GB" baseline="0" dirty="0" smtClean="0"/>
+          </a:p>
+          <a:p>
+            <a:r>
+              <a:rPr lang="en-GB" baseline="0" dirty="0" smtClean="0"/>
+              <a:t>It doesn’t work! That’s because I made up some syntax and didn’t bother looking up how everything works.</a:t>
+            </a:r>
+          </a:p>
+          <a:p>
+            <a:endParaRPr lang="en-GB" baseline="0" dirty="0" smtClean="0"/>
+          </a:p>
+          <a:p>
+            <a:r>
+              <a:rPr lang="en-GB" baseline="0" dirty="0" smtClean="0"/>
+              <a:t>We have three options to deal with this problem.</a:t>
+            </a:r>
+          </a:p>
+        </p:txBody>
+      </p:sp>
+      <p:sp>
+        <p:nvSpPr>
+          <p:cNvPr id="4" name="Slide Number Placeholder 3"/>
+          <p:cNvSpPr>
+            <a:spLocks noGrp="1"/>
+          </p:cNvSpPr>
+          <p:nvPr>
+            <p:ph type="sldNum" sz="quarter" idx="10"/>
+          </p:nvPr>
+        </p:nvSpPr>
+        <p:spPr/>
+        <p:txBody>
+          <a:bodyPr/>
+          <a:lstStyle/>
+          <a:p>
+            <a:fld id="{5C75FE4D-91ED-434A-9EFC-8782E77F05B1}" type="slidenum">
+              <a:rPr lang="en-GB" smtClean="0"/>
+              <a:t>14</a:t>
+            </a:fld>
+            <a:endParaRPr lang="en-GB"/>
+          </a:p>
+        </p:txBody>
+      </p:sp>
+    </p:spTree>
+    <p:extLst>
+      <p:ext uri="{BB962C8B-B14F-4D97-AF65-F5344CB8AC3E}">
+        <p14:creationId xmlns:p14="http://schemas.microsoft.com/office/powerpoint/2010/main" val="294246573"/>
+      </p:ext>
+    </p:extLst>
+  </p:cSld>
+  <p:clrMapOvr>
+    <a:masterClrMapping/>
+  </p:clrMapOvr>
+</p:notes>
+</file>
+
+<file path=ppt/notesSlides/notesSlide12.xml><?xml version="1.0" encoding="utf-8"?>
+<p:notes xmlns:a="http://schemas.openxmlformats.org/drawingml/2006/main" xmlns:r="http://schemas.openxmlformats.org/officeDocument/2006/relationships" xmlns:p="http://schemas.openxmlformats.org/presentationml/2006/main">
+  <p:cSld>
+    <p:spTree>
+      <p:nvGrpSpPr>
+        <p:cNvPr id="1" name=""/>
+        <p:cNvGrpSpPr/>
+        <p:nvPr/>
+      </p:nvGrpSpPr>
+      <p:grpSpPr>
+        <a:xfrm>
+          <a:off x="0" y="0"/>
+          <a:ext cx="0" cy="0"/>
+          <a:chOff x="0" y="0"/>
+          <a:chExt cx="0" cy="0"/>
+        </a:xfrm>
+      </p:grpSpPr>
+      <p:sp>
+        <p:nvSpPr>
+          <p:cNvPr id="2" name="Slide Image Placeholder 1"/>
+          <p:cNvSpPr>
+            <a:spLocks noGrp="1" noRot="1" noChangeAspect="1"/>
+          </p:cNvSpPr>
+          <p:nvPr>
+            <p:ph type="sldImg"/>
+          </p:nvPr>
+        </p:nvSpPr>
+        <p:spPr/>
+      </p:sp>
+      <p:sp>
+        <p:nvSpPr>
+          <p:cNvPr id="3" name="Notes Placeholder 2"/>
+          <p:cNvSpPr>
+            <a:spLocks noGrp="1"/>
+          </p:cNvSpPr>
+          <p:nvPr>
+            <p:ph type="body" idx="1"/>
+          </p:nvPr>
+        </p:nvSpPr>
+        <p:spPr/>
+        <p:txBody>
+          <a:bodyPr/>
+          <a:lstStyle/>
+          <a:p>
+            <a:endParaRPr lang="en-GB" dirty="0"/>
+          </a:p>
+        </p:txBody>
+      </p:sp>
+      <p:sp>
+        <p:nvSpPr>
+          <p:cNvPr id="4" name="Slide Number Placeholder 3"/>
+          <p:cNvSpPr>
+            <a:spLocks noGrp="1"/>
+          </p:cNvSpPr>
+          <p:nvPr>
+            <p:ph type="sldNum" sz="quarter" idx="10"/>
+          </p:nvPr>
+        </p:nvSpPr>
+        <p:spPr/>
+        <p:txBody>
+          <a:bodyPr/>
+          <a:lstStyle/>
+          <a:p>
+            <a:fld id="{5C75FE4D-91ED-434A-9EFC-8782E77F05B1}" type="slidenum">
+              <a:rPr lang="en-GB" smtClean="0"/>
+              <a:t>15</a:t>
+            </a:fld>
+            <a:endParaRPr lang="en-GB"/>
+          </a:p>
+        </p:txBody>
+      </p:sp>
+    </p:spTree>
+    <p:extLst>
+      <p:ext uri="{BB962C8B-B14F-4D97-AF65-F5344CB8AC3E}">
+        <p14:creationId xmlns:p14="http://schemas.microsoft.com/office/powerpoint/2010/main" val="880992074"/>
+      </p:ext>
+    </p:extLst>
+  </p:cSld>
+  <p:clrMapOvr>
+    <a:masterClrMapping/>
+  </p:clrMapOvr>
+</p:notes>
+</file>
+
+<file path=ppt/notesSlides/notesSlide13.xml><?xml version="1.0" encoding="utf-8"?>
+<p:notes xmlns:a="http://schemas.openxmlformats.org/drawingml/2006/main" xmlns:r="http://schemas.openxmlformats.org/officeDocument/2006/relationships" xmlns:p="http://schemas.openxmlformats.org/presentationml/2006/main">
+  <p:cSld>
+    <p:spTree>
+      <p:nvGrpSpPr>
+        <p:cNvPr id="1" name=""/>
+        <p:cNvGrpSpPr/>
+        <p:nvPr/>
+      </p:nvGrpSpPr>
+      <p:grpSpPr>
+        <a:xfrm>
+          <a:off x="0" y="0"/>
+          <a:ext cx="0" cy="0"/>
+          <a:chOff x="0" y="0"/>
+          <a:chExt cx="0" cy="0"/>
+        </a:xfrm>
+      </p:grpSpPr>
+      <p:sp>
+        <p:nvSpPr>
+          <p:cNvPr id="2" name="Slide Image Placeholder 1"/>
+          <p:cNvSpPr>
+            <a:spLocks noGrp="1" noRot="1" noChangeAspect="1"/>
+          </p:cNvSpPr>
+          <p:nvPr>
+            <p:ph type="sldImg"/>
+          </p:nvPr>
+        </p:nvSpPr>
+        <p:spPr/>
+      </p:sp>
+      <p:sp>
+        <p:nvSpPr>
+          <p:cNvPr id="3" name="Notes Placeholder 2"/>
+          <p:cNvSpPr>
+            <a:spLocks noGrp="1"/>
+          </p:cNvSpPr>
+          <p:nvPr>
+            <p:ph type="body" idx="1"/>
+          </p:nvPr>
+        </p:nvSpPr>
+        <p:spPr/>
+        <p:txBody>
+          <a:bodyPr/>
+          <a:lstStyle/>
+          <a:p>
+            <a:endParaRPr lang="en-GB" dirty="0"/>
+          </a:p>
+        </p:txBody>
+      </p:sp>
+      <p:sp>
+        <p:nvSpPr>
+          <p:cNvPr id="4" name="Slide Number Placeholder 3"/>
+          <p:cNvSpPr>
+            <a:spLocks noGrp="1"/>
+          </p:cNvSpPr>
+          <p:nvPr>
+            <p:ph type="sldNum" sz="quarter" idx="10"/>
+          </p:nvPr>
+        </p:nvSpPr>
+        <p:spPr/>
+        <p:txBody>
+          <a:bodyPr/>
+          <a:lstStyle/>
+          <a:p>
+            <a:fld id="{5C75FE4D-91ED-434A-9EFC-8782E77F05B1}" type="slidenum">
+              <a:rPr lang="en-GB" smtClean="0"/>
+              <a:t>16</a:t>
+            </a:fld>
+            <a:endParaRPr lang="en-GB"/>
+          </a:p>
+        </p:txBody>
+      </p:sp>
+    </p:spTree>
+    <p:extLst>
+      <p:ext uri="{BB962C8B-B14F-4D97-AF65-F5344CB8AC3E}">
+        <p14:creationId xmlns:p14="http://schemas.microsoft.com/office/powerpoint/2010/main" val="188789742"/>
+      </p:ext>
+    </p:extLst>
+  </p:cSld>
+  <p:clrMapOvr>
+    <a:masterClrMapping/>
+  </p:clrMapOvr>
+</p:notes>
+</file>
+
+<file path=ppt/notesSlides/notesSlide14.xml><?xml version="1.0" encoding="utf-8"?>
+<p:notes xmlns:a="http://schemas.openxmlformats.org/drawingml/2006/main" xmlns:r="http://schemas.openxmlformats.org/officeDocument/2006/relationships" xmlns:p="http://schemas.openxmlformats.org/presentationml/2006/main">
+  <p:cSld>
+    <p:spTree>
+      <p:nvGrpSpPr>
+        <p:cNvPr id="1" name=""/>
+        <p:cNvGrpSpPr/>
+        <p:nvPr/>
+      </p:nvGrpSpPr>
+      <p:grpSpPr>
+        <a:xfrm>
+          <a:off x="0" y="0"/>
+          <a:ext cx="0" cy="0"/>
+          <a:chOff x="0" y="0"/>
+          <a:chExt cx="0" cy="0"/>
+        </a:xfrm>
+      </p:grpSpPr>
+      <p:sp>
+        <p:nvSpPr>
+          <p:cNvPr id="2" name="Slide Image Placeholder 1"/>
+          <p:cNvSpPr>
+            <a:spLocks noGrp="1" noRot="1" noChangeAspect="1"/>
+          </p:cNvSpPr>
+          <p:nvPr>
+            <p:ph type="sldImg"/>
+          </p:nvPr>
+        </p:nvSpPr>
+        <p:spPr/>
+      </p:sp>
+      <p:sp>
+        <p:nvSpPr>
+          <p:cNvPr id="3" name="Notes Placeholder 2"/>
+          <p:cNvSpPr>
+            <a:spLocks noGrp="1"/>
+          </p:cNvSpPr>
+          <p:nvPr>
+            <p:ph type="body" idx="1"/>
+          </p:nvPr>
+        </p:nvSpPr>
+        <p:spPr/>
+        <p:txBody>
+          <a:bodyPr/>
+          <a:lstStyle/>
+          <a:p>
+            <a:endParaRPr lang="en-GB" dirty="0"/>
+          </a:p>
+        </p:txBody>
+      </p:sp>
+      <p:sp>
+        <p:nvSpPr>
+          <p:cNvPr id="4" name="Slide Number Placeholder 3"/>
+          <p:cNvSpPr>
+            <a:spLocks noGrp="1"/>
+          </p:cNvSpPr>
+          <p:nvPr>
+            <p:ph type="sldNum" sz="quarter" idx="10"/>
+          </p:nvPr>
+        </p:nvSpPr>
+        <p:spPr/>
+        <p:txBody>
+          <a:bodyPr/>
+          <a:lstStyle/>
+          <a:p>
+            <a:fld id="{5C75FE4D-91ED-434A-9EFC-8782E77F05B1}" type="slidenum">
+              <a:rPr lang="en-GB" smtClean="0"/>
+              <a:t>17</a:t>
+            </a:fld>
+            <a:endParaRPr lang="en-GB"/>
+          </a:p>
+        </p:txBody>
+      </p:sp>
+    </p:spTree>
+    <p:extLst>
+      <p:ext uri="{BB962C8B-B14F-4D97-AF65-F5344CB8AC3E}">
+        <p14:creationId xmlns:p14="http://schemas.microsoft.com/office/powerpoint/2010/main" val="429572978"/>
+      </p:ext>
+    </p:extLst>
+  </p:cSld>
+  <p:clrMapOvr>
+    <a:masterClrMapping/>
+  </p:clrMapOvr>
+</p:notes>
+</file>
+
 <file path=ppt/notesSlides/notesSlide2.xml><?xml version="1.0" encoding="utf-8"?>
 <p:notes xmlns:a="http://schemas.openxmlformats.org/drawingml/2006/main" xmlns:r="http://schemas.openxmlformats.org/officeDocument/2006/relationships" xmlns:p="http://schemas.openxmlformats.org/presentationml/2006/main">
   <p:cSld>
@@ -1212,13 +1722,8 @@
           <a:p>
             <a:r>
               <a:rPr lang="en-GB" baseline="0" dirty="0" smtClean="0"/>
-              <a:t>We </a:t>
-            </a:r>
-            <a:r>
-              <a:rPr lang="en-GB" baseline="0" smtClean="0"/>
-              <a:t>have three options to deal with this problem.</a:t>
-            </a:r>
-            <a:endParaRPr lang="en-GB" baseline="0" dirty="0" smtClean="0"/>
+              <a:t>We have three options to deal with this problem.</a:t>
+            </a:r>
           </a:p>
         </p:txBody>
       </p:sp>
@@ -1302,7 +1807,49 @@
           <a:bodyPr/>
           <a:lstStyle/>
           <a:p>
-            <a:endParaRPr lang="en-GB" dirty="0"/>
+            <a:r>
+              <a:rPr lang="en-GB" dirty="0" smtClean="0"/>
+              <a:t>I’ve</a:t>
+            </a:r>
+            <a:r>
+              <a:rPr lang="en-GB" baseline="0" dirty="0" smtClean="0"/>
+              <a:t> built a server, it’s a simple example for this presentation.</a:t>
+            </a:r>
+          </a:p>
+          <a:p>
+            <a:endParaRPr lang="en-GB" baseline="0" dirty="0" smtClean="0"/>
+          </a:p>
+          <a:p>
+            <a:r>
+              <a:rPr lang="en-GB" baseline="0" dirty="0" smtClean="0"/>
+              <a:t>The server will return details of a </a:t>
+            </a:r>
+            <a:r>
+              <a:rPr lang="en-GB" baseline="0" dirty="0" err="1" smtClean="0"/>
+              <a:t>simpson’s</a:t>
+            </a:r>
+            <a:r>
+              <a:rPr lang="en-GB" baseline="0" dirty="0" smtClean="0"/>
+              <a:t> character by their ID.</a:t>
+            </a:r>
+          </a:p>
+          <a:p>
+            <a:endParaRPr lang="en-GB" baseline="0" dirty="0" smtClean="0"/>
+          </a:p>
+          <a:p>
+            <a:r>
+              <a:rPr lang="en-GB" baseline="0" dirty="0" smtClean="0"/>
+              <a:t>It doesn’t work! That’s because I made up some syntax and didn’t bother looking up how everything works.</a:t>
+            </a:r>
+          </a:p>
+          <a:p>
+            <a:endParaRPr lang="en-GB" baseline="0" dirty="0" smtClean="0"/>
+          </a:p>
+          <a:p>
+            <a:r>
+              <a:rPr lang="en-GB" baseline="0" dirty="0" smtClean="0"/>
+              <a:t>We have three options to deal with this problem.</a:t>
+            </a:r>
           </a:p>
         </p:txBody>
       </p:sp>
@@ -1332,7 +1879,133 @@
     </p:spTree>
     <p:extLst>
       <p:ext uri="{BB962C8B-B14F-4D97-AF65-F5344CB8AC3E}">
-        <p14:creationId xmlns:p14="http://schemas.microsoft.com/office/powerpoint/2010/main" val="880992074"/>
+        <p14:creationId xmlns:p14="http://schemas.microsoft.com/office/powerpoint/2010/main" val="772217645"/>
+      </p:ext>
+    </p:extLst>
+  </p:cSld>
+  <p:clrMapOvr>
+    <a:masterClrMapping/>
+  </p:clrMapOvr>
+</p:notes>
+</file>
+
+<file path=ppt/notesSlides/notesSlide9.xml><?xml version="1.0" encoding="utf-8"?>
+<p:notes xmlns:a="http://schemas.openxmlformats.org/drawingml/2006/main" xmlns:r="http://schemas.openxmlformats.org/officeDocument/2006/relationships" xmlns:p="http://schemas.openxmlformats.org/presentationml/2006/main">
+  <p:cSld>
+    <p:spTree>
+      <p:nvGrpSpPr>
+        <p:cNvPr id="1" name=""/>
+        <p:cNvGrpSpPr/>
+        <p:nvPr/>
+      </p:nvGrpSpPr>
+      <p:grpSpPr>
+        <a:xfrm>
+          <a:off x="0" y="0"/>
+          <a:ext cx="0" cy="0"/>
+          <a:chOff x="0" y="0"/>
+          <a:chExt cx="0" cy="0"/>
+        </a:xfrm>
+      </p:grpSpPr>
+      <p:sp>
+        <p:nvSpPr>
+          <p:cNvPr id="2" name="Slide Image Placeholder 1"/>
+          <p:cNvSpPr>
+            <a:spLocks noGrp="1" noRot="1" noChangeAspect="1"/>
+          </p:cNvSpPr>
+          <p:nvPr>
+            <p:ph type="sldImg"/>
+          </p:nvPr>
+        </p:nvSpPr>
+        <p:spPr/>
+      </p:sp>
+      <p:sp>
+        <p:nvSpPr>
+          <p:cNvPr id="3" name="Notes Placeholder 2"/>
+          <p:cNvSpPr>
+            <a:spLocks noGrp="1"/>
+          </p:cNvSpPr>
+          <p:nvPr>
+            <p:ph type="body" idx="1"/>
+          </p:nvPr>
+        </p:nvSpPr>
+        <p:spPr/>
+        <p:txBody>
+          <a:bodyPr/>
+          <a:lstStyle/>
+          <a:p>
+            <a:r>
+              <a:rPr lang="en-GB" dirty="0" smtClean="0"/>
+              <a:t>I’ve</a:t>
+            </a:r>
+            <a:r>
+              <a:rPr lang="en-GB" baseline="0" dirty="0" smtClean="0"/>
+              <a:t> built a server, it’s a simple example for this presentation.</a:t>
+            </a:r>
+          </a:p>
+          <a:p>
+            <a:endParaRPr lang="en-GB" baseline="0" dirty="0" smtClean="0"/>
+          </a:p>
+          <a:p>
+            <a:r>
+              <a:rPr lang="en-GB" baseline="0" dirty="0" smtClean="0"/>
+              <a:t>The server will return details of a </a:t>
+            </a:r>
+            <a:r>
+              <a:rPr lang="en-GB" baseline="0" dirty="0" err="1" smtClean="0"/>
+              <a:t>simpson’s</a:t>
+            </a:r>
+            <a:r>
+              <a:rPr lang="en-GB" baseline="0" dirty="0" smtClean="0"/>
+              <a:t> character by their ID.</a:t>
+            </a:r>
+          </a:p>
+          <a:p>
+            <a:endParaRPr lang="en-GB" baseline="0" dirty="0" smtClean="0"/>
+          </a:p>
+          <a:p>
+            <a:r>
+              <a:rPr lang="en-GB" baseline="0" dirty="0" smtClean="0"/>
+              <a:t>It doesn’t work! That’s because I made up some syntax and didn’t bother looking up how everything works.</a:t>
+            </a:r>
+          </a:p>
+          <a:p>
+            <a:endParaRPr lang="en-GB" baseline="0" dirty="0" smtClean="0"/>
+          </a:p>
+          <a:p>
+            <a:r>
+              <a:rPr lang="en-GB" baseline="0" dirty="0" smtClean="0"/>
+              <a:t>We have three options to deal with this problem.</a:t>
+            </a:r>
+          </a:p>
+        </p:txBody>
+      </p:sp>
+      <p:sp>
+        <p:nvSpPr>
+          <p:cNvPr id="4" name="Slide Number Placeholder 3"/>
+          <p:cNvSpPr>
+            <a:spLocks noGrp="1"/>
+          </p:cNvSpPr>
+          <p:nvPr>
+            <p:ph type="sldNum" sz="quarter" idx="10"/>
+          </p:nvPr>
+        </p:nvSpPr>
+        <p:spPr/>
+        <p:txBody>
+          <a:bodyPr/>
+          <a:lstStyle/>
+          <a:p>
+            <a:fld id="{5C75FE4D-91ED-434A-9EFC-8782E77F05B1}" type="slidenum">
+              <a:rPr lang="en-GB" smtClean="0"/>
+              <a:t>12</a:t>
+            </a:fld>
+            <a:endParaRPr lang="en-GB"/>
+          </a:p>
+        </p:txBody>
+      </p:sp>
+    </p:spTree>
+    <p:extLst>
+      <p:ext uri="{BB962C8B-B14F-4D97-AF65-F5344CB8AC3E}">
+        <p14:creationId xmlns:p14="http://schemas.microsoft.com/office/powerpoint/2010/main" val="843822136"/>
       </p:ext>
     </p:extLst>
   </p:cSld>
@@ -4502,7 +5175,1056 @@
           <a:p>
             <a:r>
               <a:rPr lang="en-GB" dirty="0" smtClean="0"/>
-              <a:t>The Future</a:t>
+              <a:t>Demo 1 – Step by Step</a:t>
+            </a:r>
+            <a:endParaRPr lang="en-GB" dirty="0"/>
+          </a:p>
+        </p:txBody>
+      </p:sp>
+      <p:sp>
+        <p:nvSpPr>
+          <p:cNvPr id="7" name="Content Placeholder 6"/>
+          <p:cNvSpPr>
+            <a:spLocks noGrp="1"/>
+          </p:cNvSpPr>
+          <p:nvPr>
+            <p:ph idx="1"/>
+          </p:nvPr>
+        </p:nvSpPr>
+        <p:spPr/>
+        <p:txBody>
+          <a:bodyPr>
+            <a:normAutofit/>
+          </a:bodyPr>
+          <a:lstStyle/>
+          <a:p>
+            <a:pPr marL="0" indent="0" fontAlgn="base">
+              <a:buNone/>
+            </a:pPr>
+            <a:r>
+              <a:rPr lang="en-GB" dirty="0" smtClean="0"/>
+              <a:t>Examine the code. Run a trivial test. Run a non-trivial test – it </a:t>
+            </a:r>
+            <a:r>
+              <a:rPr lang="en-GB" dirty="0" err="1" smtClean="0"/>
+              <a:t>dones’t</a:t>
+            </a:r>
+            <a:r>
+              <a:rPr lang="en-GB" dirty="0" smtClean="0"/>
+              <a:t> work.</a:t>
+            </a:r>
+          </a:p>
+          <a:p>
+            <a:pPr marL="0" indent="0" fontAlgn="base">
+              <a:buNone/>
+            </a:pPr>
+            <a:r>
+              <a:rPr lang="en-GB" dirty="0" smtClean="0"/>
+              <a:t>Don’t panic.</a:t>
+            </a:r>
+          </a:p>
+          <a:p>
+            <a:pPr marL="0" indent="0" fontAlgn="base">
+              <a:buNone/>
+            </a:pPr>
+            <a:r>
+              <a:rPr lang="en-GB" dirty="0" smtClean="0"/>
+              <a:t>Install node-inspector.</a:t>
+            </a:r>
+          </a:p>
+          <a:p>
+            <a:pPr marL="0" indent="0" fontAlgn="base">
+              <a:buNone/>
+            </a:pPr>
+            <a:r>
+              <a:rPr lang="en-GB" dirty="0" smtClean="0"/>
+              <a:t>Create a new ‘debug’ script “debug”: “node-debug </a:t>
+            </a:r>
+            <a:r>
+              <a:rPr lang="en-GB" dirty="0" err="1" smtClean="0"/>
+              <a:t>npm</a:t>
+            </a:r>
+            <a:r>
+              <a:rPr lang="en-GB" dirty="0" smtClean="0"/>
+              <a:t> start”</a:t>
+            </a:r>
+          </a:p>
+          <a:p>
+            <a:pPr marL="0" indent="0" fontAlgn="base">
+              <a:buNone/>
+            </a:pPr>
+            <a:r>
+              <a:rPr lang="en-GB" dirty="0" smtClean="0"/>
+              <a:t>Open a browser and step through the code.</a:t>
+            </a:r>
+          </a:p>
+          <a:p>
+            <a:pPr marL="0" indent="0" fontAlgn="base">
+              <a:buNone/>
+            </a:pPr>
+            <a:r>
+              <a:rPr lang="en-GB" dirty="0" smtClean="0"/>
+              <a:t>Enable write back. Enable node-mon. Inspect and fix our code live.</a:t>
+            </a:r>
+          </a:p>
+          <a:p>
+            <a:pPr marL="0" indent="0" fontAlgn="base">
+              <a:buNone/>
+            </a:pPr>
+            <a:r>
+              <a:rPr lang="en-GB" dirty="0" smtClean="0"/>
+              <a:t>Rejoice in the short cycle.</a:t>
+            </a:r>
+            <a:endParaRPr lang="en-US" dirty="0"/>
+          </a:p>
+        </p:txBody>
+      </p:sp>
+    </p:spTree>
+    <p:extLst>
+      <p:ext uri="{BB962C8B-B14F-4D97-AF65-F5344CB8AC3E}">
+        <p14:creationId xmlns:p14="http://schemas.microsoft.com/office/powerpoint/2010/main" val="1457554482"/>
+      </p:ext>
+    </p:extLst>
+  </p:cSld>
+  <p:clrMapOvr>
+    <a:masterClrMapping/>
+  </p:clrMapOvr>
+  <p:timing>
+    <p:tnLst>
+      <p:par>
+        <p:cTn id="1" dur="indefinite" restart="never" nodeType="tmRoot"/>
+      </p:par>
+    </p:tnLst>
+  </p:timing>
+</p:sld>
+</file>
+
+<file path=ppt/slides/slide12.xml><?xml version="1.0" encoding="utf-8"?>
+<p:sld xmlns:a="http://schemas.openxmlformats.org/drawingml/2006/main" xmlns:r="http://schemas.openxmlformats.org/officeDocument/2006/relationships" xmlns:p="http://schemas.openxmlformats.org/presentationml/2006/main">
+  <p:cSld>
+    <p:spTree>
+      <p:nvGrpSpPr>
+        <p:cNvPr id="1" name=""/>
+        <p:cNvGrpSpPr/>
+        <p:nvPr/>
+      </p:nvGrpSpPr>
+      <p:grpSpPr>
+        <a:xfrm>
+          <a:off x="0" y="0"/>
+          <a:ext cx="0" cy="0"/>
+          <a:chOff x="0" y="0"/>
+          <a:chExt cx="0" cy="0"/>
+        </a:xfrm>
+      </p:grpSpPr>
+      <p:sp>
+        <p:nvSpPr>
+          <p:cNvPr id="2" name="Title 1"/>
+          <p:cNvSpPr>
+            <a:spLocks noGrp="1"/>
+          </p:cNvSpPr>
+          <p:nvPr>
+            <p:ph type="title"/>
+          </p:nvPr>
+        </p:nvSpPr>
+        <p:spPr/>
+        <p:txBody>
+          <a:bodyPr/>
+          <a:lstStyle/>
+          <a:p>
+            <a:r>
+              <a:rPr lang="en-GB" dirty="0" smtClean="0"/>
+              <a:t>Demo 2</a:t>
+            </a:r>
+            <a:endParaRPr lang="en-GB" dirty="0"/>
+          </a:p>
+        </p:txBody>
+      </p:sp>
+      <p:sp>
+        <p:nvSpPr>
+          <p:cNvPr id="7" name="Content Placeholder 6"/>
+          <p:cNvSpPr>
+            <a:spLocks noGrp="1"/>
+          </p:cNvSpPr>
+          <p:nvPr>
+            <p:ph idx="1"/>
+          </p:nvPr>
+        </p:nvSpPr>
+        <p:spPr>
+          <a:xfrm>
+            <a:off x="3220570" y="1690688"/>
+            <a:ext cx="7252446" cy="1940858"/>
+          </a:xfrm>
+        </p:spPr>
+        <p:txBody>
+          <a:bodyPr>
+            <a:normAutofit fontScale="85000" lnSpcReduction="20000"/>
+          </a:bodyPr>
+          <a:lstStyle/>
+          <a:p>
+            <a:pPr marL="0" indent="0" fontAlgn="base">
+              <a:buNone/>
+            </a:pPr>
+            <a:r>
+              <a:rPr lang="en-GB" dirty="0" smtClean="0"/>
+              <a:t>We have a </a:t>
+            </a:r>
+            <a:r>
+              <a:rPr lang="en-GB" dirty="0" err="1" smtClean="0"/>
+              <a:t>microservice</a:t>
+            </a:r>
+            <a:r>
+              <a:rPr lang="en-GB" dirty="0" smtClean="0"/>
+              <a:t> which consists of a database in a container, a </a:t>
+            </a:r>
+            <a:r>
+              <a:rPr lang="en-GB" dirty="0" err="1" smtClean="0"/>
+              <a:t>node.js</a:t>
+            </a:r>
+            <a:r>
+              <a:rPr lang="en-GB" dirty="0" smtClean="0"/>
+              <a:t> server in a container and a container which runs integration tests.</a:t>
+            </a:r>
+          </a:p>
+          <a:p>
+            <a:pPr marL="0" indent="0" fontAlgn="base">
+              <a:buNone/>
+            </a:pPr>
+            <a:endParaRPr lang="en-GB" dirty="0"/>
+          </a:p>
+          <a:p>
+            <a:pPr marL="0" indent="0" fontAlgn="base">
+              <a:buNone/>
+            </a:pPr>
+            <a:r>
+              <a:rPr lang="en-GB" dirty="0" smtClean="0"/>
+              <a:t>We’ve been told in production it is leaky – what’s going on?</a:t>
+            </a:r>
+          </a:p>
+        </p:txBody>
+      </p:sp>
+      <p:sp>
+        <p:nvSpPr>
+          <p:cNvPr id="3" name="Rectangle 2"/>
+          <p:cNvSpPr/>
+          <p:nvPr/>
+        </p:nvSpPr>
+        <p:spPr>
+          <a:xfrm>
+            <a:off x="1223682" y="1690688"/>
+            <a:ext cx="1331259" cy="793376"/>
+          </a:xfrm>
+          <a:prstGeom prst="rect">
+            <a:avLst/>
+          </a:prstGeom>
+        </p:spPr>
+        <p:style>
+          <a:lnRef idx="2">
+            <a:schemeClr val="accent1">
+              <a:shade val="50000"/>
+            </a:schemeClr>
+          </a:lnRef>
+          <a:fillRef idx="1">
+            <a:schemeClr val="accent1"/>
+          </a:fillRef>
+          <a:effectRef idx="0">
+            <a:schemeClr val="accent1"/>
+          </a:effectRef>
+          <a:fontRef idx="minor">
+            <a:schemeClr val="lt1"/>
+          </a:fontRef>
+        </p:style>
+        <p:txBody>
+          <a:bodyPr rtlCol="0" anchor="ctr"/>
+          <a:lstStyle/>
+          <a:p>
+            <a:pPr algn="ctr"/>
+            <a:r>
+              <a:rPr lang="en-GB" dirty="0" smtClean="0"/>
+              <a:t>MySQL</a:t>
+            </a:r>
+            <a:br>
+              <a:rPr lang="en-GB" dirty="0" smtClean="0"/>
+            </a:br>
+            <a:r>
+              <a:rPr lang="en-GB" dirty="0" smtClean="0"/>
+              <a:t>DB</a:t>
+            </a:r>
+            <a:endParaRPr lang="en-GB" dirty="0"/>
+          </a:p>
+        </p:txBody>
+      </p:sp>
+      <p:sp>
+        <p:nvSpPr>
+          <p:cNvPr id="5" name="Rectangle 4"/>
+          <p:cNvSpPr/>
+          <p:nvPr/>
+        </p:nvSpPr>
+        <p:spPr>
+          <a:xfrm>
+            <a:off x="1223683" y="2838170"/>
+            <a:ext cx="1331259" cy="793376"/>
+          </a:xfrm>
+          <a:prstGeom prst="rect">
+            <a:avLst/>
+          </a:prstGeom>
+        </p:spPr>
+        <p:style>
+          <a:lnRef idx="2">
+            <a:schemeClr val="accent1">
+              <a:shade val="50000"/>
+            </a:schemeClr>
+          </a:lnRef>
+          <a:fillRef idx="1">
+            <a:schemeClr val="accent1"/>
+          </a:fillRef>
+          <a:effectRef idx="0">
+            <a:schemeClr val="accent1"/>
+          </a:effectRef>
+          <a:fontRef idx="minor">
+            <a:schemeClr val="lt1"/>
+          </a:fontRef>
+        </p:style>
+        <p:txBody>
+          <a:bodyPr rtlCol="0" anchor="ctr"/>
+          <a:lstStyle/>
+          <a:p>
+            <a:pPr algn="ctr"/>
+            <a:r>
+              <a:rPr lang="en-GB" dirty="0" err="1" smtClean="0"/>
+              <a:t>Node.js</a:t>
+            </a:r>
+            <a:r>
+              <a:rPr lang="en-GB" dirty="0"/>
+              <a:t/>
+            </a:r>
+            <a:br>
+              <a:rPr lang="en-GB" dirty="0"/>
+            </a:br>
+            <a:r>
+              <a:rPr lang="en-GB" dirty="0" smtClean="0"/>
+              <a:t>Server</a:t>
+            </a:r>
+            <a:endParaRPr lang="en-GB" dirty="0"/>
+          </a:p>
+        </p:txBody>
+      </p:sp>
+      <p:sp>
+        <p:nvSpPr>
+          <p:cNvPr id="6" name="Rectangle 5"/>
+          <p:cNvSpPr/>
+          <p:nvPr/>
+        </p:nvSpPr>
+        <p:spPr>
+          <a:xfrm>
+            <a:off x="1223682" y="3976314"/>
+            <a:ext cx="1331259" cy="793376"/>
+          </a:xfrm>
+          <a:prstGeom prst="rect">
+            <a:avLst/>
+          </a:prstGeom>
+        </p:spPr>
+        <p:style>
+          <a:lnRef idx="2">
+            <a:schemeClr val="accent1">
+              <a:shade val="50000"/>
+            </a:schemeClr>
+          </a:lnRef>
+          <a:fillRef idx="1">
+            <a:schemeClr val="accent1"/>
+          </a:fillRef>
+          <a:effectRef idx="0">
+            <a:schemeClr val="accent1"/>
+          </a:effectRef>
+          <a:fontRef idx="minor">
+            <a:schemeClr val="lt1"/>
+          </a:fontRef>
+        </p:style>
+        <p:txBody>
+          <a:bodyPr rtlCol="0" anchor="ctr"/>
+          <a:lstStyle/>
+          <a:p>
+            <a:pPr algn="ctr"/>
+            <a:r>
+              <a:rPr lang="en-GB" smtClean="0"/>
+              <a:t>Integration Tests</a:t>
+            </a:r>
+            <a:endParaRPr lang="en-GB" dirty="0"/>
+          </a:p>
+        </p:txBody>
+      </p:sp>
+      <p:cxnSp>
+        <p:nvCxnSpPr>
+          <p:cNvPr id="8" name="Straight Arrow Connector 7"/>
+          <p:cNvCxnSpPr>
+            <a:stCxn id="6" idx="0"/>
+            <a:endCxn id="5" idx="2"/>
+          </p:cNvCxnSpPr>
+          <p:nvPr/>
+        </p:nvCxnSpPr>
+        <p:spPr>
+          <a:xfrm flipV="1">
+            <a:off x="1889312" y="3631546"/>
+            <a:ext cx="1" cy="344768"/>
+          </a:xfrm>
+          <a:prstGeom prst="straightConnector1">
+            <a:avLst/>
+          </a:prstGeom>
+          <a:ln>
+            <a:tailEnd type="triangle"/>
+          </a:ln>
+        </p:spPr>
+        <p:style>
+          <a:lnRef idx="1">
+            <a:schemeClr val="accent1"/>
+          </a:lnRef>
+          <a:fillRef idx="0">
+            <a:schemeClr val="accent1"/>
+          </a:fillRef>
+          <a:effectRef idx="0">
+            <a:schemeClr val="accent1"/>
+          </a:effectRef>
+          <a:fontRef idx="minor">
+            <a:schemeClr val="tx1"/>
+          </a:fontRef>
+        </p:style>
+      </p:cxnSp>
+      <p:cxnSp>
+        <p:nvCxnSpPr>
+          <p:cNvPr id="10" name="Straight Arrow Connector 9"/>
+          <p:cNvCxnSpPr>
+            <a:stCxn id="5" idx="0"/>
+            <a:endCxn id="3" idx="2"/>
+          </p:cNvCxnSpPr>
+          <p:nvPr/>
+        </p:nvCxnSpPr>
+        <p:spPr>
+          <a:xfrm flipH="1" flipV="1">
+            <a:off x="1889312" y="2484064"/>
+            <a:ext cx="1" cy="354106"/>
+          </a:xfrm>
+          <a:prstGeom prst="straightConnector1">
+            <a:avLst/>
+          </a:prstGeom>
+          <a:ln>
+            <a:tailEnd type="triangle"/>
+          </a:ln>
+        </p:spPr>
+        <p:style>
+          <a:lnRef idx="1">
+            <a:schemeClr val="accent1"/>
+          </a:lnRef>
+          <a:fillRef idx="0">
+            <a:schemeClr val="accent1"/>
+          </a:fillRef>
+          <a:effectRef idx="0">
+            <a:schemeClr val="accent1"/>
+          </a:effectRef>
+          <a:fontRef idx="minor">
+            <a:schemeClr val="tx1"/>
+          </a:fontRef>
+        </p:style>
+      </p:cxnSp>
+      <p:sp>
+        <p:nvSpPr>
+          <p:cNvPr id="12" name="TextBox 11"/>
+          <p:cNvSpPr txBox="1"/>
+          <p:nvPr/>
+        </p:nvSpPr>
+        <p:spPr>
+          <a:xfrm>
+            <a:off x="201706" y="5892608"/>
+            <a:ext cx="9345706" cy="738664"/>
+          </a:xfrm>
+          <a:prstGeom prst="rect">
+            <a:avLst/>
+          </a:prstGeom>
+          <a:noFill/>
+        </p:spPr>
+        <p:txBody>
+          <a:bodyPr wrap="square" rtlCol="0">
+            <a:spAutoFit/>
+          </a:bodyPr>
+          <a:lstStyle/>
+          <a:p>
+            <a:pPr fontAlgn="base"/>
+            <a:r>
+              <a:rPr lang="en-GB" sz="1400" dirty="0" smtClean="0"/>
+              <a:t>This is based on a detailed write up at: </a:t>
+            </a:r>
+            <a:r>
+              <a:rPr lang="en-GB" sz="1400" dirty="0" smtClean="0">
+                <a:hlinkClick r:id="rId3"/>
+              </a:rPr>
+              <a:t>www.dwmkerr.com/learn-docker-by-building-a-microservice/</a:t>
+            </a:r>
+            <a:endParaRPr lang="en-GB" sz="1400" dirty="0" smtClean="0"/>
+          </a:p>
+          <a:p>
+            <a:pPr fontAlgn="base"/>
+            <a:r>
+              <a:rPr lang="en-GB" sz="1400" dirty="0" smtClean="0"/>
+              <a:t>With code at: </a:t>
+            </a:r>
+            <a:r>
+              <a:rPr lang="en-GB" sz="1400" dirty="0" err="1" smtClean="0"/>
+              <a:t>github.com</a:t>
+            </a:r>
+            <a:r>
+              <a:rPr lang="en-GB" sz="1400" dirty="0" smtClean="0"/>
+              <a:t>/</a:t>
+            </a:r>
+            <a:r>
+              <a:rPr lang="en-GB" sz="1400" dirty="0" err="1" smtClean="0"/>
+              <a:t>dwmkerr</a:t>
+            </a:r>
+            <a:r>
+              <a:rPr lang="en-GB" sz="1400" dirty="0" smtClean="0"/>
+              <a:t>/node-</a:t>
+            </a:r>
+            <a:r>
+              <a:rPr lang="en-GB" sz="1400" dirty="0" err="1" smtClean="0"/>
+              <a:t>docker</a:t>
+            </a:r>
+            <a:r>
+              <a:rPr lang="en-GB" sz="1400" dirty="0" smtClean="0"/>
+              <a:t>-</a:t>
+            </a:r>
+            <a:r>
+              <a:rPr lang="en-GB" sz="1400" dirty="0" err="1" smtClean="0"/>
+              <a:t>microservice</a:t>
+            </a:r>
+            <a:endParaRPr lang="en-GB" sz="1400" dirty="0" smtClean="0"/>
+          </a:p>
+          <a:p>
+            <a:pPr fontAlgn="base"/>
+            <a:r>
+              <a:rPr lang="en-GB" sz="1400" dirty="0" smtClean="0"/>
+              <a:t>Ping me if you want to know more.</a:t>
+            </a:r>
+            <a:endParaRPr lang="en-GB" sz="1400" dirty="0" smtClean="0"/>
+          </a:p>
+        </p:txBody>
+      </p:sp>
+    </p:spTree>
+    <p:extLst>
+      <p:ext uri="{BB962C8B-B14F-4D97-AF65-F5344CB8AC3E}">
+        <p14:creationId xmlns:p14="http://schemas.microsoft.com/office/powerpoint/2010/main" val="1124837411"/>
+      </p:ext>
+    </p:extLst>
+  </p:cSld>
+  <p:clrMapOvr>
+    <a:masterClrMapping/>
+  </p:clrMapOvr>
+  <p:timing>
+    <p:tnLst>
+      <p:par>
+        <p:cTn id="1" dur="indefinite" restart="never" nodeType="tmRoot"/>
+      </p:par>
+    </p:tnLst>
+  </p:timing>
+</p:sld>
+</file>
+
+<file path=ppt/slides/slide13.xml><?xml version="1.0" encoding="utf-8"?>
+<p:sld xmlns:a="http://schemas.openxmlformats.org/drawingml/2006/main" xmlns:r="http://schemas.openxmlformats.org/officeDocument/2006/relationships" xmlns:p="http://schemas.openxmlformats.org/presentationml/2006/main">
+  <p:cSld>
+    <p:spTree>
+      <p:nvGrpSpPr>
+        <p:cNvPr id="1" name=""/>
+        <p:cNvGrpSpPr/>
+        <p:nvPr/>
+      </p:nvGrpSpPr>
+      <p:grpSpPr>
+        <a:xfrm>
+          <a:off x="0" y="0"/>
+          <a:ext cx="0" cy="0"/>
+          <a:chOff x="0" y="0"/>
+          <a:chExt cx="0" cy="0"/>
+        </a:xfrm>
+      </p:grpSpPr>
+      <p:sp>
+        <p:nvSpPr>
+          <p:cNvPr id="2" name="Title 1"/>
+          <p:cNvSpPr>
+            <a:spLocks noGrp="1"/>
+          </p:cNvSpPr>
+          <p:nvPr>
+            <p:ph type="title"/>
+          </p:nvPr>
+        </p:nvSpPr>
+        <p:spPr/>
+        <p:txBody>
+          <a:bodyPr/>
+          <a:lstStyle/>
+          <a:p>
+            <a:r>
+              <a:rPr lang="en-GB" dirty="0" smtClean="0"/>
+              <a:t>Demo 2 - TODO</a:t>
+            </a:r>
+            <a:endParaRPr lang="en-GB" dirty="0"/>
+          </a:p>
+        </p:txBody>
+      </p:sp>
+      <p:sp>
+        <p:nvSpPr>
+          <p:cNvPr id="7" name="Content Placeholder 6"/>
+          <p:cNvSpPr>
+            <a:spLocks noGrp="1"/>
+          </p:cNvSpPr>
+          <p:nvPr>
+            <p:ph idx="1"/>
+          </p:nvPr>
+        </p:nvSpPr>
+        <p:spPr/>
+        <p:txBody>
+          <a:bodyPr>
+            <a:normAutofit/>
+          </a:bodyPr>
+          <a:lstStyle/>
+          <a:p>
+            <a:pPr marL="0" indent="0" fontAlgn="base">
+              <a:buNone/>
+            </a:pPr>
+            <a:r>
+              <a:rPr lang="en-GB" dirty="0" smtClean="0"/>
+              <a:t>Containerise the unit tests, just make them run every five seconds.</a:t>
+            </a:r>
+          </a:p>
+          <a:p>
+            <a:pPr marL="0" indent="0" fontAlgn="base">
+              <a:buNone/>
+            </a:pPr>
+            <a:endParaRPr lang="en-GB" dirty="0"/>
+          </a:p>
+          <a:p>
+            <a:pPr marL="0" indent="0" fontAlgn="base">
+              <a:buNone/>
+            </a:pPr>
+            <a:r>
+              <a:rPr lang="en-GB" dirty="0" smtClean="0"/>
+              <a:t>Use a volume for the code on the users service, use </a:t>
+            </a:r>
+            <a:r>
+              <a:rPr lang="en-GB" dirty="0" err="1" smtClean="0"/>
+              <a:t>nodemon</a:t>
+            </a:r>
+            <a:r>
+              <a:rPr lang="en-GB" dirty="0" smtClean="0"/>
+              <a:t> and show how when we change the server the unit tests are updating.</a:t>
+            </a:r>
+          </a:p>
+          <a:p>
+            <a:pPr marL="0" indent="0" fontAlgn="base">
+              <a:buNone/>
+            </a:pPr>
+            <a:endParaRPr lang="en-GB" dirty="0"/>
+          </a:p>
+          <a:p>
+            <a:pPr marL="0" indent="0" fontAlgn="base">
+              <a:buNone/>
+            </a:pPr>
+            <a:r>
+              <a:rPr lang="en-GB" dirty="0" smtClean="0"/>
+              <a:t>Bonus: Use </a:t>
+            </a:r>
+            <a:r>
+              <a:rPr lang="en-GB" dirty="0" err="1" smtClean="0"/>
+              <a:t>supertest</a:t>
+            </a:r>
+            <a:r>
+              <a:rPr lang="en-GB" dirty="0" smtClean="0"/>
+              <a:t>-as-promised</a:t>
+            </a:r>
+          </a:p>
+          <a:p>
+            <a:pPr marL="0" indent="0" fontAlgn="base">
+              <a:buNone/>
+            </a:pPr>
+            <a:r>
+              <a:rPr lang="en-GB" dirty="0" smtClean="0"/>
+              <a:t>Bonus: Light themes</a:t>
+            </a:r>
+          </a:p>
+          <a:p>
+            <a:pPr marL="0" indent="0" fontAlgn="base">
+              <a:buNone/>
+            </a:pPr>
+            <a:r>
+              <a:rPr lang="en-GB" dirty="0" smtClean="0"/>
+              <a:t>Bonus: Shorten shell text</a:t>
+            </a:r>
+          </a:p>
+        </p:txBody>
+      </p:sp>
+    </p:spTree>
+    <p:extLst>
+      <p:ext uri="{BB962C8B-B14F-4D97-AF65-F5344CB8AC3E}">
+        <p14:creationId xmlns:p14="http://schemas.microsoft.com/office/powerpoint/2010/main" val="219943923"/>
+      </p:ext>
+    </p:extLst>
+  </p:cSld>
+  <p:clrMapOvr>
+    <a:masterClrMapping/>
+  </p:clrMapOvr>
+  <p:timing>
+    <p:tnLst>
+      <p:par>
+        <p:cTn id="1" dur="indefinite" restart="never" nodeType="tmRoot"/>
+      </p:par>
+    </p:tnLst>
+  </p:timing>
+</p:sld>
+</file>
+
+<file path=ppt/slides/slide14.xml><?xml version="1.0" encoding="utf-8"?>
+<p:sld xmlns:a="http://schemas.openxmlformats.org/drawingml/2006/main" xmlns:r="http://schemas.openxmlformats.org/officeDocument/2006/relationships" xmlns:p="http://schemas.openxmlformats.org/presentationml/2006/main">
+  <p:cSld>
+    <p:spTree>
+      <p:nvGrpSpPr>
+        <p:cNvPr id="1" name=""/>
+        <p:cNvGrpSpPr/>
+        <p:nvPr/>
+      </p:nvGrpSpPr>
+      <p:grpSpPr>
+        <a:xfrm>
+          <a:off x="0" y="0"/>
+          <a:ext cx="0" cy="0"/>
+          <a:chOff x="0" y="0"/>
+          <a:chExt cx="0" cy="0"/>
+        </a:xfrm>
+      </p:grpSpPr>
+      <p:sp>
+        <p:nvSpPr>
+          <p:cNvPr id="2" name="Title 1"/>
+          <p:cNvSpPr>
+            <a:spLocks noGrp="1"/>
+          </p:cNvSpPr>
+          <p:nvPr>
+            <p:ph type="title"/>
+          </p:nvPr>
+        </p:nvSpPr>
+        <p:spPr/>
+        <p:txBody>
+          <a:bodyPr/>
+          <a:lstStyle/>
+          <a:p>
+            <a:r>
+              <a:rPr lang="en-GB" dirty="0" smtClean="0"/>
+              <a:t>Demo 3</a:t>
+            </a:r>
+            <a:endParaRPr lang="en-GB" dirty="0"/>
+          </a:p>
+        </p:txBody>
+      </p:sp>
+      <p:sp>
+        <p:nvSpPr>
+          <p:cNvPr id="7" name="Content Placeholder 6"/>
+          <p:cNvSpPr>
+            <a:spLocks noGrp="1"/>
+          </p:cNvSpPr>
+          <p:nvPr>
+            <p:ph idx="1"/>
+          </p:nvPr>
+        </p:nvSpPr>
+        <p:spPr>
+          <a:xfrm>
+            <a:off x="3220570" y="1690688"/>
+            <a:ext cx="7252446" cy="1940858"/>
+          </a:xfrm>
+        </p:spPr>
+        <p:txBody>
+          <a:bodyPr>
+            <a:normAutofit/>
+          </a:bodyPr>
+          <a:lstStyle/>
+          <a:p>
+            <a:pPr marL="0" indent="0" fontAlgn="base">
+              <a:buNone/>
+            </a:pPr>
+            <a:r>
+              <a:rPr lang="en-GB" dirty="0" smtClean="0"/>
+              <a:t>We want to write more sophisticated tests, but it seems the test code itself is broken – can we debug that?</a:t>
+            </a:r>
+          </a:p>
+        </p:txBody>
+      </p:sp>
+      <p:sp>
+        <p:nvSpPr>
+          <p:cNvPr id="3" name="Rectangle 2"/>
+          <p:cNvSpPr/>
+          <p:nvPr/>
+        </p:nvSpPr>
+        <p:spPr>
+          <a:xfrm>
+            <a:off x="1223682" y="1690688"/>
+            <a:ext cx="1331259" cy="793376"/>
+          </a:xfrm>
+          <a:prstGeom prst="rect">
+            <a:avLst/>
+          </a:prstGeom>
+        </p:spPr>
+        <p:style>
+          <a:lnRef idx="2">
+            <a:schemeClr val="accent1">
+              <a:shade val="50000"/>
+            </a:schemeClr>
+          </a:lnRef>
+          <a:fillRef idx="1">
+            <a:schemeClr val="accent1"/>
+          </a:fillRef>
+          <a:effectRef idx="0">
+            <a:schemeClr val="accent1"/>
+          </a:effectRef>
+          <a:fontRef idx="minor">
+            <a:schemeClr val="lt1"/>
+          </a:fontRef>
+        </p:style>
+        <p:txBody>
+          <a:bodyPr rtlCol="0" anchor="ctr"/>
+          <a:lstStyle/>
+          <a:p>
+            <a:pPr algn="ctr"/>
+            <a:r>
+              <a:rPr lang="en-GB" dirty="0" smtClean="0"/>
+              <a:t>MySQL</a:t>
+            </a:r>
+            <a:br>
+              <a:rPr lang="en-GB" dirty="0" smtClean="0"/>
+            </a:br>
+            <a:r>
+              <a:rPr lang="en-GB" dirty="0" smtClean="0"/>
+              <a:t>DB</a:t>
+            </a:r>
+            <a:endParaRPr lang="en-GB" dirty="0"/>
+          </a:p>
+        </p:txBody>
+      </p:sp>
+      <p:sp>
+        <p:nvSpPr>
+          <p:cNvPr id="5" name="Rectangle 4"/>
+          <p:cNvSpPr/>
+          <p:nvPr/>
+        </p:nvSpPr>
+        <p:spPr>
+          <a:xfrm>
+            <a:off x="1223683" y="2838170"/>
+            <a:ext cx="1331259" cy="793376"/>
+          </a:xfrm>
+          <a:prstGeom prst="rect">
+            <a:avLst/>
+          </a:prstGeom>
+        </p:spPr>
+        <p:style>
+          <a:lnRef idx="2">
+            <a:schemeClr val="accent1">
+              <a:shade val="50000"/>
+            </a:schemeClr>
+          </a:lnRef>
+          <a:fillRef idx="1">
+            <a:schemeClr val="accent1"/>
+          </a:fillRef>
+          <a:effectRef idx="0">
+            <a:schemeClr val="accent1"/>
+          </a:effectRef>
+          <a:fontRef idx="minor">
+            <a:schemeClr val="lt1"/>
+          </a:fontRef>
+        </p:style>
+        <p:txBody>
+          <a:bodyPr rtlCol="0" anchor="ctr"/>
+          <a:lstStyle/>
+          <a:p>
+            <a:pPr algn="ctr"/>
+            <a:r>
+              <a:rPr lang="en-GB" dirty="0" err="1" smtClean="0"/>
+              <a:t>Node.js</a:t>
+            </a:r>
+            <a:r>
+              <a:rPr lang="en-GB" dirty="0"/>
+              <a:t/>
+            </a:r>
+            <a:br>
+              <a:rPr lang="en-GB" dirty="0"/>
+            </a:br>
+            <a:r>
+              <a:rPr lang="en-GB" dirty="0" smtClean="0"/>
+              <a:t>Server</a:t>
+            </a:r>
+            <a:endParaRPr lang="en-GB" dirty="0"/>
+          </a:p>
+        </p:txBody>
+      </p:sp>
+      <p:sp>
+        <p:nvSpPr>
+          <p:cNvPr id="6" name="Rectangle 5"/>
+          <p:cNvSpPr/>
+          <p:nvPr/>
+        </p:nvSpPr>
+        <p:spPr>
+          <a:xfrm>
+            <a:off x="1223682" y="3976314"/>
+            <a:ext cx="1331259" cy="793376"/>
+          </a:xfrm>
+          <a:prstGeom prst="rect">
+            <a:avLst/>
+          </a:prstGeom>
+        </p:spPr>
+        <p:style>
+          <a:lnRef idx="2">
+            <a:schemeClr val="accent1">
+              <a:shade val="50000"/>
+            </a:schemeClr>
+          </a:lnRef>
+          <a:fillRef idx="1">
+            <a:schemeClr val="accent1"/>
+          </a:fillRef>
+          <a:effectRef idx="0">
+            <a:schemeClr val="accent1"/>
+          </a:effectRef>
+          <a:fontRef idx="minor">
+            <a:schemeClr val="lt1"/>
+          </a:fontRef>
+        </p:style>
+        <p:txBody>
+          <a:bodyPr rtlCol="0" anchor="ctr"/>
+          <a:lstStyle/>
+          <a:p>
+            <a:pPr algn="ctr"/>
+            <a:r>
+              <a:rPr lang="en-GB" smtClean="0"/>
+              <a:t>Integration Tests</a:t>
+            </a:r>
+            <a:endParaRPr lang="en-GB" dirty="0"/>
+          </a:p>
+        </p:txBody>
+      </p:sp>
+      <p:cxnSp>
+        <p:nvCxnSpPr>
+          <p:cNvPr id="8" name="Straight Arrow Connector 7"/>
+          <p:cNvCxnSpPr>
+            <a:stCxn id="6" idx="0"/>
+            <a:endCxn id="5" idx="2"/>
+          </p:cNvCxnSpPr>
+          <p:nvPr/>
+        </p:nvCxnSpPr>
+        <p:spPr>
+          <a:xfrm flipV="1">
+            <a:off x="1889312" y="3631546"/>
+            <a:ext cx="1" cy="344768"/>
+          </a:xfrm>
+          <a:prstGeom prst="straightConnector1">
+            <a:avLst/>
+          </a:prstGeom>
+          <a:ln>
+            <a:tailEnd type="triangle"/>
+          </a:ln>
+        </p:spPr>
+        <p:style>
+          <a:lnRef idx="1">
+            <a:schemeClr val="accent1"/>
+          </a:lnRef>
+          <a:fillRef idx="0">
+            <a:schemeClr val="accent1"/>
+          </a:fillRef>
+          <a:effectRef idx="0">
+            <a:schemeClr val="accent1"/>
+          </a:effectRef>
+          <a:fontRef idx="minor">
+            <a:schemeClr val="tx1"/>
+          </a:fontRef>
+        </p:style>
+      </p:cxnSp>
+      <p:cxnSp>
+        <p:nvCxnSpPr>
+          <p:cNvPr id="10" name="Straight Arrow Connector 9"/>
+          <p:cNvCxnSpPr>
+            <a:stCxn id="5" idx="0"/>
+            <a:endCxn id="3" idx="2"/>
+          </p:cNvCxnSpPr>
+          <p:nvPr/>
+        </p:nvCxnSpPr>
+        <p:spPr>
+          <a:xfrm flipH="1" flipV="1">
+            <a:off x="1889312" y="2484064"/>
+            <a:ext cx="1" cy="354106"/>
+          </a:xfrm>
+          <a:prstGeom prst="straightConnector1">
+            <a:avLst/>
+          </a:prstGeom>
+          <a:ln>
+            <a:tailEnd type="triangle"/>
+          </a:ln>
+        </p:spPr>
+        <p:style>
+          <a:lnRef idx="1">
+            <a:schemeClr val="accent1"/>
+          </a:lnRef>
+          <a:fillRef idx="0">
+            <a:schemeClr val="accent1"/>
+          </a:fillRef>
+          <a:effectRef idx="0">
+            <a:schemeClr val="accent1"/>
+          </a:effectRef>
+          <a:fontRef idx="minor">
+            <a:schemeClr val="tx1"/>
+          </a:fontRef>
+        </p:style>
+      </p:cxnSp>
+    </p:spTree>
+    <p:extLst>
+      <p:ext uri="{BB962C8B-B14F-4D97-AF65-F5344CB8AC3E}">
+        <p14:creationId xmlns:p14="http://schemas.microsoft.com/office/powerpoint/2010/main" val="2010911637"/>
+      </p:ext>
+    </p:extLst>
+  </p:cSld>
+  <p:clrMapOvr>
+    <a:masterClrMapping/>
+  </p:clrMapOvr>
+  <p:timing>
+    <p:tnLst>
+      <p:par>
+        <p:cTn id="1" dur="indefinite" restart="never" nodeType="tmRoot"/>
+      </p:par>
+    </p:tnLst>
+  </p:timing>
+</p:sld>
+</file>
+
+<file path=ppt/slides/slide15.xml><?xml version="1.0" encoding="utf-8"?>
+<p:sld xmlns:a="http://schemas.openxmlformats.org/drawingml/2006/main" xmlns:r="http://schemas.openxmlformats.org/officeDocument/2006/relationships" xmlns:p="http://schemas.openxmlformats.org/presentationml/2006/main">
+  <p:cSld>
+    <p:spTree>
+      <p:nvGrpSpPr>
+        <p:cNvPr id="1" name=""/>
+        <p:cNvGrpSpPr/>
+        <p:nvPr/>
+      </p:nvGrpSpPr>
+      <p:grpSpPr>
+        <a:xfrm>
+          <a:off x="0" y="0"/>
+          <a:ext cx="0" cy="0"/>
+          <a:chOff x="0" y="0"/>
+          <a:chExt cx="0" cy="0"/>
+        </a:xfrm>
+      </p:grpSpPr>
+      <p:sp>
+        <p:nvSpPr>
+          <p:cNvPr id="2" name="Title 1"/>
+          <p:cNvSpPr>
+            <a:spLocks noGrp="1"/>
+          </p:cNvSpPr>
+          <p:nvPr>
+            <p:ph type="title"/>
+          </p:nvPr>
+        </p:nvSpPr>
+        <p:spPr/>
+        <p:txBody>
+          <a:bodyPr/>
+          <a:lstStyle/>
+          <a:p>
+            <a:r>
+              <a:rPr lang="en-GB" dirty="0" smtClean="0"/>
+              <a:t>How does Node Inspector Work?</a:t>
             </a:r>
             <a:endParaRPr lang="en-GB" dirty="0"/>
           </a:p>
@@ -4595,6 +6317,209 @@
     <p:extLst>
       <p:ext uri="{BB962C8B-B14F-4D97-AF65-F5344CB8AC3E}">
         <p14:creationId xmlns:p14="http://schemas.microsoft.com/office/powerpoint/2010/main" val="678400171"/>
+      </p:ext>
+    </p:extLst>
+  </p:cSld>
+  <p:clrMapOvr>
+    <a:masterClrMapping/>
+  </p:clrMapOvr>
+  <p:timing>
+    <p:tnLst>
+      <p:par>
+        <p:cTn id="1" dur="indefinite" restart="never" nodeType="tmRoot"/>
+      </p:par>
+    </p:tnLst>
+  </p:timing>
+</p:sld>
+</file>
+
+<file path=ppt/slides/slide16.xml><?xml version="1.0" encoding="utf-8"?>
+<p:sld xmlns:a="http://schemas.openxmlformats.org/drawingml/2006/main" xmlns:r="http://schemas.openxmlformats.org/officeDocument/2006/relationships" xmlns:p="http://schemas.openxmlformats.org/presentationml/2006/main">
+  <p:cSld>
+    <p:spTree>
+      <p:nvGrpSpPr>
+        <p:cNvPr id="1" name=""/>
+        <p:cNvGrpSpPr/>
+        <p:nvPr/>
+      </p:nvGrpSpPr>
+      <p:grpSpPr>
+        <a:xfrm>
+          <a:off x="0" y="0"/>
+          <a:ext cx="0" cy="0"/>
+          <a:chOff x="0" y="0"/>
+          <a:chExt cx="0" cy="0"/>
+        </a:xfrm>
+      </p:grpSpPr>
+      <p:sp>
+        <p:nvSpPr>
+          <p:cNvPr id="2" name="Title 1"/>
+          <p:cNvSpPr>
+            <a:spLocks noGrp="1"/>
+          </p:cNvSpPr>
+          <p:nvPr>
+            <p:ph type="title"/>
+          </p:nvPr>
+        </p:nvSpPr>
+        <p:spPr/>
+        <p:txBody>
+          <a:bodyPr/>
+          <a:lstStyle/>
+          <a:p>
+            <a:r>
+              <a:rPr lang="en-GB" dirty="0" smtClean="0"/>
+              <a:t>The Future</a:t>
+            </a:r>
+            <a:endParaRPr lang="en-GB" dirty="0"/>
+          </a:p>
+        </p:txBody>
+      </p:sp>
+      <p:sp>
+        <p:nvSpPr>
+          <p:cNvPr id="7" name="Content Placeholder 6"/>
+          <p:cNvSpPr>
+            <a:spLocks noGrp="1"/>
+          </p:cNvSpPr>
+          <p:nvPr>
+            <p:ph idx="1"/>
+          </p:nvPr>
+        </p:nvSpPr>
+        <p:spPr/>
+        <p:txBody>
+          <a:bodyPr>
+            <a:normAutofit/>
+          </a:bodyPr>
+          <a:lstStyle/>
+          <a:p>
+            <a:pPr fontAlgn="base">
+              <a:buFontTx/>
+              <a:buChar char="-"/>
+            </a:pPr>
+            <a:r>
+              <a:rPr lang="en-US" dirty="0" smtClean="0"/>
+              <a:t>Genuine native support for the Chrome Developer Tools</a:t>
+            </a:r>
+          </a:p>
+          <a:p>
+            <a:pPr fontAlgn="base">
+              <a:buFontTx/>
+              <a:buChar char="-"/>
+            </a:pPr>
+            <a:endParaRPr lang="en-US" dirty="0"/>
+          </a:p>
+          <a:p>
+            <a:pPr fontAlgn="base">
+              <a:buFontTx/>
+              <a:buChar char="-"/>
+            </a:pPr>
+            <a:r>
+              <a:rPr lang="en-US" dirty="0" smtClean="0"/>
+              <a:t>More JavaScript ‘stuff’ – some of it not so great (Promises, Classes </a:t>
+            </a:r>
+            <a:r>
+              <a:rPr lang="en-US" dirty="0" err="1" smtClean="0"/>
+              <a:t>etc</a:t>
+            </a:r>
+            <a:r>
+              <a:rPr lang="en-US" dirty="0" smtClean="0"/>
+              <a:t>)</a:t>
+            </a:r>
+          </a:p>
+          <a:p>
+            <a:pPr fontAlgn="base">
+              <a:buFontTx/>
+              <a:buChar char="-"/>
+            </a:pPr>
+            <a:endParaRPr lang="en-US" dirty="0" smtClean="0"/>
+          </a:p>
+          <a:p>
+            <a:pPr fontAlgn="base">
+              <a:buFontTx/>
+              <a:buChar char="-"/>
+            </a:pPr>
+            <a:r>
+              <a:rPr lang="en-US" dirty="0" err="1" smtClean="0"/>
+              <a:t>Containerisation</a:t>
+            </a:r>
+            <a:r>
+              <a:rPr lang="en-US" dirty="0" smtClean="0"/>
+              <a:t>, </a:t>
+            </a:r>
+            <a:r>
+              <a:rPr lang="en-US" dirty="0" err="1" smtClean="0"/>
+              <a:t>DevOps</a:t>
+            </a:r>
+            <a:r>
+              <a:rPr lang="en-US" dirty="0" smtClean="0"/>
+              <a:t> 2.0</a:t>
+            </a:r>
+            <a:endParaRPr lang="en-US" dirty="0"/>
+          </a:p>
+        </p:txBody>
+      </p:sp>
+    </p:spTree>
+    <p:extLst>
+      <p:ext uri="{BB962C8B-B14F-4D97-AF65-F5344CB8AC3E}">
+        <p14:creationId xmlns:p14="http://schemas.microsoft.com/office/powerpoint/2010/main" val="125101165"/>
+      </p:ext>
+    </p:extLst>
+  </p:cSld>
+  <p:clrMapOvr>
+    <a:masterClrMapping/>
+  </p:clrMapOvr>
+  <p:timing>
+    <p:tnLst>
+      <p:par>
+        <p:cTn id="1" dur="indefinite" restart="never" nodeType="tmRoot"/>
+      </p:par>
+    </p:tnLst>
+  </p:timing>
+</p:sld>
+</file>
+
+<file path=ppt/slides/slide17.xml><?xml version="1.0" encoding="utf-8"?>
+<p:sld xmlns:a="http://schemas.openxmlformats.org/drawingml/2006/main" xmlns:r="http://schemas.openxmlformats.org/officeDocument/2006/relationships" xmlns:p="http://schemas.openxmlformats.org/presentationml/2006/main">
+  <p:cSld>
+    <p:spTree>
+      <p:nvGrpSpPr>
+        <p:cNvPr id="1" name=""/>
+        <p:cNvGrpSpPr/>
+        <p:nvPr/>
+      </p:nvGrpSpPr>
+      <p:grpSpPr>
+        <a:xfrm>
+          <a:off x="0" y="0"/>
+          <a:ext cx="0" cy="0"/>
+          <a:chOff x="0" y="0"/>
+          <a:chExt cx="0" cy="0"/>
+        </a:xfrm>
+      </p:grpSpPr>
+      <p:sp>
+        <p:nvSpPr>
+          <p:cNvPr id="2" name="Title 1"/>
+          <p:cNvSpPr>
+            <a:spLocks noGrp="1"/>
+          </p:cNvSpPr>
+          <p:nvPr>
+            <p:ph type="title"/>
+          </p:nvPr>
+        </p:nvSpPr>
+        <p:spPr/>
+        <p:txBody>
+          <a:bodyPr/>
+          <a:lstStyle/>
+          <a:p>
+            <a:r>
+              <a:rPr lang="en-GB" smtClean="0"/>
+              <a:t>Questions &amp; Thanks</a:t>
+            </a:r>
+            <a:endParaRPr lang="en-GB" dirty="0"/>
+          </a:p>
+        </p:txBody>
+      </p:sp>
+    </p:spTree>
+    <p:extLst>
+      <p:ext uri="{BB962C8B-B14F-4D97-AF65-F5344CB8AC3E}">
+        <p14:creationId xmlns:p14="http://schemas.microsoft.com/office/powerpoint/2010/main" val="20341493"/>
       </p:ext>
     </p:extLst>
   </p:cSld>
@@ -4661,10 +6586,15 @@
             <p:ph idx="1"/>
           </p:nvPr>
         </p:nvSpPr>
-        <p:spPr/>
+        <p:spPr>
+          <a:xfrm>
+            <a:off x="838200" y="1825625"/>
+            <a:ext cx="6355976" cy="4351338"/>
+          </a:xfrm>
+        </p:spPr>
         <p:txBody>
           <a:bodyPr>
-            <a:normAutofit lnSpcReduction="10000"/>
+            <a:normAutofit fontScale="92500" lnSpcReduction="10000"/>
           </a:bodyPr>
           <a:lstStyle/>
           <a:p>
@@ -4745,6 +6675,46 @@
               <a:t>supportfornepal.org</a:t>
             </a:r>
             <a:endParaRPr lang="en-GB" dirty="0" smtClean="0"/>
+          </a:p>
+        </p:txBody>
+      </p:sp>
+      <p:sp>
+        <p:nvSpPr>
+          <p:cNvPr id="4" name="Rectangle 3"/>
+          <p:cNvSpPr/>
+          <p:nvPr/>
+        </p:nvSpPr>
+        <p:spPr>
+          <a:xfrm>
+            <a:off x="7422776" y="510988"/>
+            <a:ext cx="4289612" cy="5665975"/>
+          </a:xfrm>
+          <a:prstGeom prst="rect">
+            <a:avLst/>
+          </a:prstGeom>
+        </p:spPr>
+        <p:style>
+          <a:lnRef idx="2">
+            <a:schemeClr val="accent1">
+              <a:shade val="50000"/>
+            </a:schemeClr>
+          </a:lnRef>
+          <a:fillRef idx="1">
+            <a:schemeClr val="accent1"/>
+          </a:fillRef>
+          <a:effectRef idx="0">
+            <a:schemeClr val="accent1"/>
+          </a:effectRef>
+          <a:fontRef idx="minor">
+            <a:schemeClr val="lt1"/>
+          </a:fontRef>
+        </p:style>
+        <p:txBody>
+          <a:bodyPr rtlCol="0" anchor="ctr"/>
+          <a:lstStyle/>
+          <a:p>
+            <a:pPr algn="ctr"/>
+            <a:endParaRPr lang="en-GB"/>
           </a:p>
         </p:txBody>
       </p:sp>
